--- a/slides/CommandPatternDeepDive.pptx
+++ b/slides/CommandPatternDeepDive.pptx
@@ -11,7 +11,7 @@
     <p:sldMasterId id="2147483831" r:id="rId7"/>
   </p:sldMasterIdLst>
   <p:notesMasterIdLst>
-    <p:notesMasterId r:id="rId48"/>
+    <p:notesMasterId r:id="rId49"/>
   </p:notesMasterIdLst>
   <p:sldIdLst>
     <p:sldId id="256" r:id="rId8"/>
@@ -49,11 +49,12 @@
     <p:sldId id="365" r:id="rId40"/>
     <p:sldId id="371" r:id="rId41"/>
     <p:sldId id="372" r:id="rId42"/>
-    <p:sldId id="373" r:id="rId43"/>
-    <p:sldId id="374" r:id="rId44"/>
-    <p:sldId id="367" r:id="rId45"/>
-    <p:sldId id="370" r:id="rId46"/>
-    <p:sldId id="366" r:id="rId47"/>
+    <p:sldId id="376" r:id="rId43"/>
+    <p:sldId id="373" r:id="rId44"/>
+    <p:sldId id="374" r:id="rId45"/>
+    <p:sldId id="367" r:id="rId46"/>
+    <p:sldId id="370" r:id="rId47"/>
+    <p:sldId id="366" r:id="rId48"/>
   </p:sldIdLst>
   <p:sldSz cx="12192000" cy="6858000"/>
   <p:notesSz cx="6858000" cy="9144000"/>
@@ -271,7 +272,7 @@
             <a:fld id="{EFC10EE1-B198-C942-8235-326C972CBB30}" type="datetimeFigureOut">
               <a:rPr lang="en-US" smtClean="0"/>
               <a:pPr/>
-              <a:t>6/22/2019</a:t>
+              <a:t>6/25/2019</a:t>
             </a:fld>
             <a:endParaRPr lang="en-US"/>
           </a:p>
@@ -14893,6 +14894,153 @@
       </p:sp>
       <p:sp>
         <p:nvSpPr>
+          <p:cNvPr id="20" name="TextBox 19">
+            <a:extLst>
+              <a:ext uri="{FF2B5EF4-FFF2-40B4-BE49-F238E27FC236}">
+                <a16:creationId xmlns:a16="http://schemas.microsoft.com/office/drawing/2014/main" id="{14D625AB-5AEB-4B5B-AAFE-9104FDDFF116}"/>
+              </a:ext>
+            </a:extLst>
+          </p:cNvPr>
+          <p:cNvSpPr txBox="1"/>
+          <p:nvPr/>
+        </p:nvSpPr>
+        <p:spPr>
+          <a:xfrm>
+            <a:off x="980440" y="982920"/>
+            <a:ext cx="3396571" cy="646331"/>
+          </a:xfrm>
+          <a:prstGeom prst="rect">
+            <a:avLst/>
+          </a:prstGeom>
+          <a:noFill/>
+        </p:spPr>
+        <p:txBody>
+          <a:bodyPr wrap="none" rtlCol="0">
+            <a:spAutoFit/>
+          </a:bodyPr>
+          <a:lstStyle/>
+          <a:p>
+            <a:r>
+              <a:rPr lang="en-US" sz="3600" dirty="0"/>
+              <a:t>Copier Controller</a:t>
+            </a:r>
+          </a:p>
+        </p:txBody>
+      </p:sp>
+    </p:spTree>
+    <p:extLst>
+      <p:ext uri="{BB962C8B-B14F-4D97-AF65-F5344CB8AC3E}">
+        <p14:creationId xmlns:p14="http://schemas.microsoft.com/office/powerpoint/2010/main" val="2705224832"/>
+      </p:ext>
+    </p:extLst>
+  </p:cSld>
+  <p:clrMapOvr>
+    <a:masterClrMapping/>
+  </p:clrMapOvr>
+</p:sld>
+</file>
+
+<file path=ppt/slides/slide36.xml><?xml version="1.0" encoding="utf-8"?>
+<p:sld xmlns:a="http://schemas.openxmlformats.org/drawingml/2006/main" xmlns:r="http://schemas.openxmlformats.org/officeDocument/2006/relationships" xmlns:p="http://schemas.openxmlformats.org/presentationml/2006/main">
+  <p:cSld>
+    <p:spTree>
+      <p:nvGrpSpPr>
+        <p:cNvPr id="1" name=""/>
+        <p:cNvGrpSpPr/>
+        <p:nvPr/>
+      </p:nvGrpSpPr>
+      <p:grpSpPr>
+        <a:xfrm>
+          <a:off x="0" y="0"/>
+          <a:ext cx="0" cy="0"/>
+          <a:chOff x="0" y="0"/>
+          <a:chExt cx="0" cy="0"/>
+        </a:xfrm>
+      </p:grpSpPr>
+      <p:sp>
+        <p:nvSpPr>
+          <p:cNvPr id="3" name="Content Placeholder 2">
+            <a:extLst>
+              <a:ext uri="{FF2B5EF4-FFF2-40B4-BE49-F238E27FC236}">
+                <a16:creationId xmlns:a16="http://schemas.microsoft.com/office/drawing/2014/main" id="{AC6069F1-3F43-4519-8B8F-64FDEE3B965F}"/>
+              </a:ext>
+            </a:extLst>
+          </p:cNvPr>
+          <p:cNvSpPr>
+            <a:spLocks noGrp="1"/>
+          </p:cNvSpPr>
+          <p:nvPr>
+            <p:ph idx="1"/>
+          </p:nvPr>
+        </p:nvSpPr>
+        <p:spPr>
+          <a:xfrm>
+            <a:off x="909320" y="1253331"/>
+            <a:ext cx="10515600" cy="4351338"/>
+          </a:xfrm>
+        </p:spPr>
+        <p:txBody>
+          <a:bodyPr/>
+          <a:lstStyle/>
+          <a:p>
+            <a:pPr marL="0" indent="0">
+              <a:buNone/>
+            </a:pPr>
+            <a:endParaRPr lang="en-US" b="0" dirty="0">
+              <a:solidFill>
+                <a:schemeClr val="tx1"/>
+              </a:solidFill>
+              <a:latin typeface="+mn-lt"/>
+            </a:endParaRPr>
+          </a:p>
+          <a:p>
+            <a:pPr marL="0" indent="0">
+              <a:buNone/>
+            </a:pPr>
+            <a:endParaRPr lang="en-US" b="0" dirty="0">
+              <a:solidFill>
+                <a:schemeClr val="tx1"/>
+              </a:solidFill>
+              <a:latin typeface="+mn-lt"/>
+            </a:endParaRPr>
+          </a:p>
+        </p:txBody>
+      </p:sp>
+      <p:sp>
+        <p:nvSpPr>
+          <p:cNvPr id="4" name="Footer Placeholder 3">
+            <a:extLst>
+              <a:ext uri="{FF2B5EF4-FFF2-40B4-BE49-F238E27FC236}">
+                <a16:creationId xmlns:a16="http://schemas.microsoft.com/office/drawing/2014/main" id="{328F3D37-510B-454F-B53D-8F2ECC0AF5E1}"/>
+              </a:ext>
+            </a:extLst>
+          </p:cNvPr>
+          <p:cNvSpPr>
+            <a:spLocks noGrp="1"/>
+          </p:cNvSpPr>
+          <p:nvPr>
+            <p:ph type="ftr" sz="quarter" idx="3"/>
+          </p:nvPr>
+        </p:nvSpPr>
+        <p:spPr/>
+        <p:txBody>
+          <a:bodyPr/>
+          <a:lstStyle/>
+          <a:p>
+            <a:r>
+              <a:rPr lang="en-US" b="1">
+                <a:cs typeface="Lato Light"/>
+              </a:rPr>
+              <a:t>CINNUG - June 26, 2019</a:t>
+            </a:r>
+            <a:endParaRPr lang="id-ID" dirty="0">
+              <a:cs typeface="Lato Regular" panose="020F0502020204030203" pitchFamily="34" charset="0"/>
+            </a:endParaRPr>
+          </a:p>
+        </p:txBody>
+      </p:sp>
+      <p:sp>
+        <p:nvSpPr>
           <p:cNvPr id="2" name="Rectangle 1">
             <a:extLst>
               <a:ext uri="{FF2B5EF4-FFF2-40B4-BE49-F238E27FC236}">
@@ -15680,7 +15828,7 @@
     </p:spTree>
     <p:extLst>
       <p:ext uri="{BB962C8B-B14F-4D97-AF65-F5344CB8AC3E}">
-        <p14:creationId xmlns:p14="http://schemas.microsoft.com/office/powerpoint/2010/main" val="2705224832"/>
+        <p14:creationId xmlns:p14="http://schemas.microsoft.com/office/powerpoint/2010/main" val="1969807420"/>
       </p:ext>
     </p:extLst>
   </p:cSld>
@@ -15690,7 +15838,7 @@
 </p:sld>
 </file>
 
-<file path=ppt/slides/slide36.xml><?xml version="1.0" encoding="utf-8"?>
+<file path=ppt/slides/slide37.xml><?xml version="1.0" encoding="utf-8"?>
 <p:sld xmlns:a="http://schemas.openxmlformats.org/drawingml/2006/main" xmlns:r="http://schemas.openxmlformats.org/officeDocument/2006/relationships" xmlns:p="http://schemas.openxmlformats.org/presentationml/2006/main">
   <p:cSld>
     <p:spTree>
@@ -15991,7 +16139,7 @@
 </p:sld>
 </file>
 
-<file path=ppt/slides/slide37.xml><?xml version="1.0" encoding="utf-8"?>
+<file path=ppt/slides/slide38.xml><?xml version="1.0" encoding="utf-8"?>
 <p:sld xmlns:a="http://schemas.openxmlformats.org/drawingml/2006/main" xmlns:r="http://schemas.openxmlformats.org/officeDocument/2006/relationships" xmlns:p="http://schemas.openxmlformats.org/presentationml/2006/main">
   <p:cSld>
     <p:spTree>
@@ -16458,7 +16606,7 @@
 </p:sld>
 </file>
 
-<file path=ppt/slides/slide38.xml><?xml version="1.0" encoding="utf-8"?>
+<file path=ppt/slides/slide39.xml><?xml version="1.0" encoding="utf-8"?>
 <p:sld xmlns:a="http://schemas.openxmlformats.org/drawingml/2006/main" xmlns:r="http://schemas.openxmlformats.org/officeDocument/2006/relationships" xmlns:p="http://schemas.openxmlformats.org/presentationml/2006/main">
   <p:cSld>
     <p:spTree>
@@ -16593,250 +16741,6 @@
 </p:sld>
 </file>
 
-<file path=ppt/slides/slide39.xml><?xml version="1.0" encoding="utf-8"?>
-<p:sld xmlns:a="http://schemas.openxmlformats.org/drawingml/2006/main" xmlns:r="http://schemas.openxmlformats.org/officeDocument/2006/relationships" xmlns:p="http://schemas.openxmlformats.org/presentationml/2006/main">
-  <p:cSld>
-    <p:spTree>
-      <p:nvGrpSpPr>
-        <p:cNvPr id="1" name=""/>
-        <p:cNvGrpSpPr/>
-        <p:nvPr/>
-      </p:nvGrpSpPr>
-      <p:grpSpPr>
-        <a:xfrm>
-          <a:off x="0" y="0"/>
-          <a:ext cx="0" cy="0"/>
-          <a:chOff x="0" y="0"/>
-          <a:chExt cx="0" cy="0"/>
-        </a:xfrm>
-      </p:grpSpPr>
-      <p:sp>
-        <p:nvSpPr>
-          <p:cNvPr id="3" name="Content Placeholder 2">
-            <a:extLst>
-              <a:ext uri="{FF2B5EF4-FFF2-40B4-BE49-F238E27FC236}">
-                <a16:creationId xmlns:a16="http://schemas.microsoft.com/office/drawing/2014/main" id="{82562992-F1DE-40B2-B12B-02B7FEB6BAAD}"/>
-              </a:ext>
-            </a:extLst>
-          </p:cNvPr>
-          <p:cNvSpPr>
-            <a:spLocks noGrp="1"/>
-          </p:cNvSpPr>
-          <p:nvPr>
-            <p:ph idx="1"/>
-          </p:nvPr>
-        </p:nvSpPr>
-        <p:spPr>
-          <a:xfrm>
-            <a:off x="838200" y="1107440"/>
-            <a:ext cx="10515600" cy="5069523"/>
-          </a:xfrm>
-        </p:spPr>
-        <p:txBody>
-          <a:bodyPr/>
-          <a:lstStyle/>
-          <a:p>
-            <a:pPr marL="0" indent="0">
-              <a:buNone/>
-            </a:pPr>
-            <a:r>
-              <a:rPr lang="en-US" sz="3600" b="0" dirty="0">
-                <a:solidFill>
-                  <a:schemeClr val="tx1"/>
-                </a:solidFill>
-                <a:latin typeface="+mn-lt"/>
-              </a:rPr>
-              <a:t>References</a:t>
-            </a:r>
-          </a:p>
-          <a:p>
-            <a:pPr marL="0" indent="0">
-              <a:buNone/>
-            </a:pPr>
-            <a:r>
-              <a:rPr lang="en-US" b="0" dirty="0">
-                <a:solidFill>
-                  <a:schemeClr val="tx1"/>
-                </a:solidFill>
-                <a:latin typeface="+mn-lt"/>
-              </a:rPr>
-              <a:t>	</a:t>
-            </a:r>
-            <a:r>
-              <a:rPr lang="en-US" b="0" i="1" dirty="0">
-                <a:solidFill>
-                  <a:schemeClr val="tx1"/>
-                </a:solidFill>
-                <a:latin typeface="+mn-lt"/>
-              </a:rPr>
-              <a:t>Design Patterns: Elements of Reusable Object-oriented Software</a:t>
-            </a:r>
-            <a:r>
-              <a:rPr lang="en-US" b="0" dirty="0">
-                <a:solidFill>
-                  <a:schemeClr val="tx1"/>
-                </a:solidFill>
-                <a:latin typeface="+mn-lt"/>
-              </a:rPr>
-              <a:t>, 	Gamma et al. </a:t>
-            </a:r>
-          </a:p>
-          <a:p>
-            <a:pPr marL="0" indent="0">
-              <a:buNone/>
-            </a:pPr>
-            <a:r>
-              <a:rPr lang="en-US" b="0" dirty="0">
-                <a:solidFill>
-                  <a:schemeClr val="tx1"/>
-                </a:solidFill>
-                <a:latin typeface="+mn-lt"/>
-              </a:rPr>
-              <a:t>	</a:t>
-            </a:r>
-            <a:r>
-              <a:rPr lang="en-US" b="0" dirty="0" err="1">
-                <a:solidFill>
-                  <a:schemeClr val="tx1"/>
-                </a:solidFill>
-                <a:latin typeface="+mn-lt"/>
-              </a:rPr>
-              <a:t>DoFactory</a:t>
-            </a:r>
-            <a:r>
-              <a:rPr lang="en-US" b="0" dirty="0">
-                <a:solidFill>
-                  <a:schemeClr val="tx1"/>
-                </a:solidFill>
-                <a:latin typeface="+mn-lt"/>
-              </a:rPr>
-              <a:t> (</a:t>
-            </a:r>
-            <a:r>
-              <a:rPr lang="en-US" b="0" dirty="0">
-                <a:solidFill>
-                  <a:schemeClr val="tx1"/>
-                </a:solidFill>
-                <a:latin typeface="+mn-lt"/>
-                <a:hlinkClick r:id="rId2"/>
-              </a:rPr>
-              <a:t>www.dofactory.com</a:t>
-            </a:r>
-            <a:r>
-              <a:rPr lang="en-US" b="0" dirty="0">
-                <a:solidFill>
-                  <a:schemeClr val="tx1"/>
-                </a:solidFill>
-                <a:latin typeface="+mn-lt"/>
-              </a:rPr>
-              <a:t>)</a:t>
-            </a:r>
-          </a:p>
-          <a:p>
-            <a:pPr marL="0" indent="0">
-              <a:buNone/>
-            </a:pPr>
-            <a:r>
-              <a:rPr lang="en-US" b="0" dirty="0">
-                <a:solidFill>
-                  <a:schemeClr val="tx1"/>
-                </a:solidFill>
-                <a:latin typeface="+mn-lt"/>
-              </a:rPr>
-              <a:t>	</a:t>
-            </a:r>
-            <a:r>
-              <a:rPr lang="en-US" b="0" i="1" dirty="0">
-                <a:solidFill>
-                  <a:schemeClr val="tx1"/>
-                </a:solidFill>
-                <a:latin typeface="+mn-lt"/>
-              </a:rPr>
-              <a:t>Agile Principles, Patterns, and Practices in C#,</a:t>
-            </a:r>
-            <a:r>
-              <a:rPr lang="en-US" b="0" dirty="0">
-                <a:solidFill>
-                  <a:schemeClr val="tx1"/>
-                </a:solidFill>
-                <a:latin typeface="+mn-lt"/>
-              </a:rPr>
-              <a:t> Robert and Micah 	Martin</a:t>
-            </a:r>
-          </a:p>
-          <a:p>
-            <a:pPr marL="0" indent="0">
-              <a:buNone/>
-            </a:pPr>
-            <a:endParaRPr lang="en-US" b="0" dirty="0">
-              <a:solidFill>
-                <a:schemeClr val="tx1"/>
-              </a:solidFill>
-              <a:latin typeface="+mn-lt"/>
-            </a:endParaRPr>
-          </a:p>
-          <a:p>
-            <a:pPr marL="0" indent="0">
-              <a:buNone/>
-            </a:pPr>
-            <a:r>
-              <a:rPr lang="en-US" sz="3600" b="0" dirty="0">
-                <a:solidFill>
-                  <a:schemeClr val="tx1"/>
-                </a:solidFill>
-                <a:latin typeface="+mn-lt"/>
-              </a:rPr>
-              <a:t>	 </a:t>
-            </a:r>
-          </a:p>
-        </p:txBody>
-      </p:sp>
-      <p:sp>
-        <p:nvSpPr>
-          <p:cNvPr id="4" name="Footer Placeholder 3">
-            <a:extLst>
-              <a:ext uri="{FF2B5EF4-FFF2-40B4-BE49-F238E27FC236}">
-                <a16:creationId xmlns:a16="http://schemas.microsoft.com/office/drawing/2014/main" id="{CF7B1F51-4833-46C8-A294-9ACA622D53C7}"/>
-              </a:ext>
-            </a:extLst>
-          </p:cNvPr>
-          <p:cNvSpPr>
-            <a:spLocks noGrp="1"/>
-          </p:cNvSpPr>
-          <p:nvPr>
-            <p:ph type="ftr" sz="quarter" idx="3"/>
-          </p:nvPr>
-        </p:nvSpPr>
-        <p:spPr/>
-        <p:txBody>
-          <a:bodyPr/>
-          <a:lstStyle/>
-          <a:p>
-            <a:r>
-              <a:rPr lang="en-US" b="1">
-                <a:cs typeface="Lato Light"/>
-              </a:rPr>
-              <a:t>CINNUG - June 26, 2019</a:t>
-            </a:r>
-            <a:endParaRPr lang="id-ID" dirty="0">
-              <a:cs typeface="Lato Regular" panose="020F0502020204030203" pitchFamily="34" charset="0"/>
-            </a:endParaRPr>
-          </a:p>
-        </p:txBody>
-      </p:sp>
-    </p:spTree>
-    <p:extLst>
-      <p:ext uri="{BB962C8B-B14F-4D97-AF65-F5344CB8AC3E}">
-        <p14:creationId xmlns:p14="http://schemas.microsoft.com/office/powerpoint/2010/main" val="2455806048"/>
-      </p:ext>
-    </p:extLst>
-  </p:cSld>
-  <p:clrMapOvr>
-    <a:masterClrMapping/>
-  </p:clrMapOvr>
-</p:sld>
-</file>
-
 <file path=ppt/slides/slide4.xml><?xml version="1.0" encoding="utf-8"?>
 <p:sld xmlns:a="http://schemas.openxmlformats.org/drawingml/2006/main" xmlns:r="http://schemas.openxmlformats.org/officeDocument/2006/relationships" xmlns:p="http://schemas.openxmlformats.org/presentationml/2006/main">
   <p:cSld>
@@ -17207,6 +17111,250 @@
 </file>
 
 <file path=ppt/slides/slide40.xml><?xml version="1.0" encoding="utf-8"?>
+<p:sld xmlns:a="http://schemas.openxmlformats.org/drawingml/2006/main" xmlns:r="http://schemas.openxmlformats.org/officeDocument/2006/relationships" xmlns:p="http://schemas.openxmlformats.org/presentationml/2006/main">
+  <p:cSld>
+    <p:spTree>
+      <p:nvGrpSpPr>
+        <p:cNvPr id="1" name=""/>
+        <p:cNvGrpSpPr/>
+        <p:nvPr/>
+      </p:nvGrpSpPr>
+      <p:grpSpPr>
+        <a:xfrm>
+          <a:off x="0" y="0"/>
+          <a:ext cx="0" cy="0"/>
+          <a:chOff x="0" y="0"/>
+          <a:chExt cx="0" cy="0"/>
+        </a:xfrm>
+      </p:grpSpPr>
+      <p:sp>
+        <p:nvSpPr>
+          <p:cNvPr id="3" name="Content Placeholder 2">
+            <a:extLst>
+              <a:ext uri="{FF2B5EF4-FFF2-40B4-BE49-F238E27FC236}">
+                <a16:creationId xmlns:a16="http://schemas.microsoft.com/office/drawing/2014/main" id="{82562992-F1DE-40B2-B12B-02B7FEB6BAAD}"/>
+              </a:ext>
+            </a:extLst>
+          </p:cNvPr>
+          <p:cNvSpPr>
+            <a:spLocks noGrp="1"/>
+          </p:cNvSpPr>
+          <p:nvPr>
+            <p:ph idx="1"/>
+          </p:nvPr>
+        </p:nvSpPr>
+        <p:spPr>
+          <a:xfrm>
+            <a:off x="838200" y="1107440"/>
+            <a:ext cx="10515600" cy="5069523"/>
+          </a:xfrm>
+        </p:spPr>
+        <p:txBody>
+          <a:bodyPr/>
+          <a:lstStyle/>
+          <a:p>
+            <a:pPr marL="0" indent="0">
+              <a:buNone/>
+            </a:pPr>
+            <a:r>
+              <a:rPr lang="en-US" sz="3600" b="0" dirty="0">
+                <a:solidFill>
+                  <a:schemeClr val="tx1"/>
+                </a:solidFill>
+                <a:latin typeface="+mn-lt"/>
+              </a:rPr>
+              <a:t>References</a:t>
+            </a:r>
+          </a:p>
+          <a:p>
+            <a:pPr marL="0" indent="0">
+              <a:buNone/>
+            </a:pPr>
+            <a:r>
+              <a:rPr lang="en-US" b="0" dirty="0">
+                <a:solidFill>
+                  <a:schemeClr val="tx1"/>
+                </a:solidFill>
+                <a:latin typeface="+mn-lt"/>
+              </a:rPr>
+              <a:t>	</a:t>
+            </a:r>
+            <a:r>
+              <a:rPr lang="en-US" b="0" i="1" dirty="0">
+                <a:solidFill>
+                  <a:schemeClr val="tx1"/>
+                </a:solidFill>
+                <a:latin typeface="+mn-lt"/>
+              </a:rPr>
+              <a:t>Design Patterns: Elements of Reusable Object-oriented Software</a:t>
+            </a:r>
+            <a:r>
+              <a:rPr lang="en-US" b="0" dirty="0">
+                <a:solidFill>
+                  <a:schemeClr val="tx1"/>
+                </a:solidFill>
+                <a:latin typeface="+mn-lt"/>
+              </a:rPr>
+              <a:t>, 	Gamma et al. </a:t>
+            </a:r>
+          </a:p>
+          <a:p>
+            <a:pPr marL="0" indent="0">
+              <a:buNone/>
+            </a:pPr>
+            <a:r>
+              <a:rPr lang="en-US" b="0" dirty="0">
+                <a:solidFill>
+                  <a:schemeClr val="tx1"/>
+                </a:solidFill>
+                <a:latin typeface="+mn-lt"/>
+              </a:rPr>
+              <a:t>	</a:t>
+            </a:r>
+            <a:r>
+              <a:rPr lang="en-US" b="0" dirty="0" err="1">
+                <a:solidFill>
+                  <a:schemeClr val="tx1"/>
+                </a:solidFill>
+                <a:latin typeface="+mn-lt"/>
+              </a:rPr>
+              <a:t>DoFactory</a:t>
+            </a:r>
+            <a:r>
+              <a:rPr lang="en-US" b="0" dirty="0">
+                <a:solidFill>
+                  <a:schemeClr val="tx1"/>
+                </a:solidFill>
+                <a:latin typeface="+mn-lt"/>
+              </a:rPr>
+              <a:t> (</a:t>
+            </a:r>
+            <a:r>
+              <a:rPr lang="en-US" b="0" dirty="0">
+                <a:solidFill>
+                  <a:schemeClr val="tx1"/>
+                </a:solidFill>
+                <a:latin typeface="+mn-lt"/>
+                <a:hlinkClick r:id="rId2"/>
+              </a:rPr>
+              <a:t>www.dofactory.com</a:t>
+            </a:r>
+            <a:r>
+              <a:rPr lang="en-US" b="0" dirty="0">
+                <a:solidFill>
+                  <a:schemeClr val="tx1"/>
+                </a:solidFill>
+                <a:latin typeface="+mn-lt"/>
+              </a:rPr>
+              <a:t>)</a:t>
+            </a:r>
+          </a:p>
+          <a:p>
+            <a:pPr marL="0" indent="0">
+              <a:buNone/>
+            </a:pPr>
+            <a:r>
+              <a:rPr lang="en-US" b="0" dirty="0">
+                <a:solidFill>
+                  <a:schemeClr val="tx1"/>
+                </a:solidFill>
+                <a:latin typeface="+mn-lt"/>
+              </a:rPr>
+              <a:t>	</a:t>
+            </a:r>
+            <a:r>
+              <a:rPr lang="en-US" b="0" i="1" dirty="0">
+                <a:solidFill>
+                  <a:schemeClr val="tx1"/>
+                </a:solidFill>
+                <a:latin typeface="+mn-lt"/>
+              </a:rPr>
+              <a:t>Agile Principles, Patterns, and Practices in C#,</a:t>
+            </a:r>
+            <a:r>
+              <a:rPr lang="en-US" b="0" dirty="0">
+                <a:solidFill>
+                  <a:schemeClr val="tx1"/>
+                </a:solidFill>
+                <a:latin typeface="+mn-lt"/>
+              </a:rPr>
+              <a:t> Robert and Micah 	Martin</a:t>
+            </a:r>
+          </a:p>
+          <a:p>
+            <a:pPr marL="0" indent="0">
+              <a:buNone/>
+            </a:pPr>
+            <a:endParaRPr lang="en-US" b="0" dirty="0">
+              <a:solidFill>
+                <a:schemeClr val="tx1"/>
+              </a:solidFill>
+              <a:latin typeface="+mn-lt"/>
+            </a:endParaRPr>
+          </a:p>
+          <a:p>
+            <a:pPr marL="0" indent="0">
+              <a:buNone/>
+            </a:pPr>
+            <a:r>
+              <a:rPr lang="en-US" sz="3600" b="0" dirty="0">
+                <a:solidFill>
+                  <a:schemeClr val="tx1"/>
+                </a:solidFill>
+                <a:latin typeface="+mn-lt"/>
+              </a:rPr>
+              <a:t>	 </a:t>
+            </a:r>
+          </a:p>
+        </p:txBody>
+      </p:sp>
+      <p:sp>
+        <p:nvSpPr>
+          <p:cNvPr id="4" name="Footer Placeholder 3">
+            <a:extLst>
+              <a:ext uri="{FF2B5EF4-FFF2-40B4-BE49-F238E27FC236}">
+                <a16:creationId xmlns:a16="http://schemas.microsoft.com/office/drawing/2014/main" id="{CF7B1F51-4833-46C8-A294-9ACA622D53C7}"/>
+              </a:ext>
+            </a:extLst>
+          </p:cNvPr>
+          <p:cNvSpPr>
+            <a:spLocks noGrp="1"/>
+          </p:cNvSpPr>
+          <p:nvPr>
+            <p:ph type="ftr" sz="quarter" idx="3"/>
+          </p:nvPr>
+        </p:nvSpPr>
+        <p:spPr/>
+        <p:txBody>
+          <a:bodyPr/>
+          <a:lstStyle/>
+          <a:p>
+            <a:r>
+              <a:rPr lang="en-US" b="1">
+                <a:cs typeface="Lato Light"/>
+              </a:rPr>
+              <a:t>CINNUG - June 26, 2019</a:t>
+            </a:r>
+            <a:endParaRPr lang="id-ID" dirty="0">
+              <a:cs typeface="Lato Regular" panose="020F0502020204030203" pitchFamily="34" charset="0"/>
+            </a:endParaRPr>
+          </a:p>
+        </p:txBody>
+      </p:sp>
+    </p:spTree>
+    <p:extLst>
+      <p:ext uri="{BB962C8B-B14F-4D97-AF65-F5344CB8AC3E}">
+        <p14:creationId xmlns:p14="http://schemas.microsoft.com/office/powerpoint/2010/main" val="2455806048"/>
+      </p:ext>
+    </p:extLst>
+  </p:cSld>
+  <p:clrMapOvr>
+    <a:masterClrMapping/>
+  </p:clrMapOvr>
+</p:sld>
+</file>
+
+<file path=ppt/slides/slide41.xml><?xml version="1.0" encoding="utf-8"?>
 <p:sld xmlns:a="http://schemas.openxmlformats.org/drawingml/2006/main" xmlns:r="http://schemas.openxmlformats.org/officeDocument/2006/relationships" xmlns:p="http://schemas.openxmlformats.org/presentationml/2006/main">
   <p:cSld>
     <p:spTree>
